--- a/ppt 16-9/0793.约瑟的故事.pptx
+++ b/ppt 16-9/0793.约瑟的故事.pptx
@@ -4,11 +4,8 @@
   <p:sldMasterIdLst>
     <p:sldMasterId id="2147483648" r:id="rId1"/>
   </p:sldMasterIdLst>
-  <p:notesMasterIdLst>
-    <p:notesMasterId r:id="rId3"/>
-  </p:notesMasterIdLst>
   <p:sldIdLst>
-    <p:sldId id="2060" r:id="rId2"/>
+    <p:sldId id="2061" r:id="rId2"/>
   </p:sldIdLst>
   <p:sldSz cx="12192000" cy="6858000"/>
   <p:notesSz cx="6858000" cy="9144000"/>
@@ -110,439 +107,6 @@
 </p:presentation>
 </file>
 
-<file path=ppt/notesMasters/notesMaster1.xml><?xml version="1.0" encoding="utf-8"?>
-<p:notesMaster xmlns:a="http://schemas.openxmlformats.org/drawingml/2006/main" xmlns:r="http://schemas.openxmlformats.org/officeDocument/2006/relationships" xmlns:p="http://schemas.openxmlformats.org/presentationml/2006/main">
-  <p:cSld>
-    <p:bg>
-      <p:bgRef idx="1001">
-        <a:schemeClr val="bg1"/>
-      </p:bgRef>
-    </p:bg>
-    <p:spTree>
-      <p:nvGrpSpPr>
-        <p:cNvPr id="1" name=""/>
-        <p:cNvGrpSpPr/>
-        <p:nvPr/>
-      </p:nvGrpSpPr>
-      <p:grpSpPr>
-        <a:xfrm>
-          <a:off x="0" y="0"/>
-          <a:ext cx="0" cy="0"/>
-          <a:chOff x="0" y="0"/>
-          <a:chExt cx="0" cy="0"/>
-        </a:xfrm>
-      </p:grpSpPr>
-      <p:sp>
-        <p:nvSpPr>
-          <p:cNvPr id="2" name="页眉占位符 1"/>
-          <p:cNvSpPr>
-            <a:spLocks noGrp="1"/>
-          </p:cNvSpPr>
-          <p:nvPr>
-            <p:ph type="hdr" sz="quarter"/>
-          </p:nvPr>
-        </p:nvSpPr>
-        <p:spPr>
-          <a:xfrm>
-            <a:off x="0" y="0"/>
-            <a:ext cx="2971800" cy="458788"/>
-          </a:xfrm>
-          <a:prstGeom prst="rect">
-            <a:avLst/>
-          </a:prstGeom>
-        </p:spPr>
-        <p:txBody>
-          <a:bodyPr vert="horz" lIns="91440" tIns="45720" rIns="91440" bIns="45720" rtlCol="0"/>
-          <a:lstStyle>
-            <a:lvl1pPr algn="l">
-              <a:defRPr sz="1200"/>
-            </a:lvl1pPr>
-          </a:lstStyle>
-          <a:p>
-            <a:endParaRPr lang="zh-CN" altLang="en-US"/>
-          </a:p>
-        </p:txBody>
-      </p:sp>
-      <p:sp>
-        <p:nvSpPr>
-          <p:cNvPr id="3" name="日期占位符 2"/>
-          <p:cNvSpPr>
-            <a:spLocks noGrp="1"/>
-          </p:cNvSpPr>
-          <p:nvPr>
-            <p:ph type="dt" idx="1"/>
-          </p:nvPr>
-        </p:nvSpPr>
-        <p:spPr>
-          <a:xfrm>
-            <a:off x="3884613" y="0"/>
-            <a:ext cx="2971800" cy="458788"/>
-          </a:xfrm>
-          <a:prstGeom prst="rect">
-            <a:avLst/>
-          </a:prstGeom>
-        </p:spPr>
-        <p:txBody>
-          <a:bodyPr vert="horz" lIns="91440" tIns="45720" rIns="91440" bIns="45720" rtlCol="0"/>
-          <a:lstStyle>
-            <a:lvl1pPr algn="r">
-              <a:defRPr sz="1200"/>
-            </a:lvl1pPr>
-          </a:lstStyle>
-          <a:p>
-            <a:fld id="{8D93AE07-EDE6-400F-AA3D-216D44E3A988}" type="datetimeFigureOut">
-              <a:rPr lang="zh-CN" altLang="en-US" smtClean="0"/>
-              <a:t>2024/3/10</a:t>
-            </a:fld>
-            <a:endParaRPr lang="zh-CN" altLang="en-US"/>
-          </a:p>
-        </p:txBody>
-      </p:sp>
-      <p:sp>
-        <p:nvSpPr>
-          <p:cNvPr id="4" name="幻灯片图像占位符 3"/>
-          <p:cNvSpPr>
-            <a:spLocks noGrp="1" noRot="1" noChangeAspect="1"/>
-          </p:cNvSpPr>
-          <p:nvPr>
-            <p:ph type="sldImg" idx="2"/>
-          </p:nvPr>
-        </p:nvSpPr>
-        <p:spPr>
-          <a:xfrm>
-            <a:off x="685800" y="1143000"/>
-            <a:ext cx="5486400" cy="3086100"/>
-          </a:xfrm>
-          <a:prstGeom prst="rect">
-            <a:avLst/>
-          </a:prstGeom>
-          <a:noFill/>
-          <a:ln w="12700">
-            <a:solidFill>
-              <a:prstClr val="black"/>
-            </a:solidFill>
-          </a:ln>
-        </p:spPr>
-        <p:txBody>
-          <a:bodyPr vert="horz" lIns="91440" tIns="45720" rIns="91440" bIns="45720" rtlCol="0" anchor="ctr"/>
-          <a:lstStyle/>
-          <a:p>
-            <a:endParaRPr lang="zh-CN" altLang="en-US"/>
-          </a:p>
-        </p:txBody>
-      </p:sp>
-      <p:sp>
-        <p:nvSpPr>
-          <p:cNvPr id="5" name="备注占位符 4"/>
-          <p:cNvSpPr>
-            <a:spLocks noGrp="1"/>
-          </p:cNvSpPr>
-          <p:nvPr>
-            <p:ph type="body" sz="quarter" idx="3"/>
-          </p:nvPr>
-        </p:nvSpPr>
-        <p:spPr>
-          <a:xfrm>
-            <a:off x="685800" y="4400550"/>
-            <a:ext cx="5486400" cy="3600450"/>
-          </a:xfrm>
-          <a:prstGeom prst="rect">
-            <a:avLst/>
-          </a:prstGeom>
-        </p:spPr>
-        <p:txBody>
-          <a:bodyPr vert="horz" lIns="91440" tIns="45720" rIns="91440" bIns="45720" rtlCol="0"/>
-          <a:lstStyle/>
-          <a:p>
-            <a:pPr lvl="0"/>
-            <a:r>
-              <a:rPr lang="zh-CN" altLang="en-US"/>
-              <a:t>单击此处编辑母版文本样式</a:t>
-            </a:r>
-          </a:p>
-          <a:p>
-            <a:pPr lvl="1"/>
-            <a:r>
-              <a:rPr lang="zh-CN" altLang="en-US"/>
-              <a:t>二级</a:t>
-            </a:r>
-          </a:p>
-          <a:p>
-            <a:pPr lvl="2"/>
-            <a:r>
-              <a:rPr lang="zh-CN" altLang="en-US"/>
-              <a:t>三级</a:t>
-            </a:r>
-          </a:p>
-          <a:p>
-            <a:pPr lvl="3"/>
-            <a:r>
-              <a:rPr lang="zh-CN" altLang="en-US"/>
-              <a:t>四级</a:t>
-            </a:r>
-          </a:p>
-          <a:p>
-            <a:pPr lvl="4"/>
-            <a:r>
-              <a:rPr lang="zh-CN" altLang="en-US"/>
-              <a:t>五级</a:t>
-            </a:r>
-          </a:p>
-        </p:txBody>
-      </p:sp>
-      <p:sp>
-        <p:nvSpPr>
-          <p:cNvPr id="6" name="页脚占位符 5"/>
-          <p:cNvSpPr>
-            <a:spLocks noGrp="1"/>
-          </p:cNvSpPr>
-          <p:nvPr>
-            <p:ph type="ftr" sz="quarter" idx="4"/>
-          </p:nvPr>
-        </p:nvSpPr>
-        <p:spPr>
-          <a:xfrm>
-            <a:off x="0" y="8685213"/>
-            <a:ext cx="2971800" cy="458787"/>
-          </a:xfrm>
-          <a:prstGeom prst="rect">
-            <a:avLst/>
-          </a:prstGeom>
-        </p:spPr>
-        <p:txBody>
-          <a:bodyPr vert="horz" lIns="91440" tIns="45720" rIns="91440" bIns="45720" rtlCol="0" anchor="b"/>
-          <a:lstStyle>
-            <a:lvl1pPr algn="l">
-              <a:defRPr sz="1200"/>
-            </a:lvl1pPr>
-          </a:lstStyle>
-          <a:p>
-            <a:endParaRPr lang="zh-CN" altLang="en-US"/>
-          </a:p>
-        </p:txBody>
-      </p:sp>
-      <p:sp>
-        <p:nvSpPr>
-          <p:cNvPr id="7" name="灯片编号占位符 6"/>
-          <p:cNvSpPr>
-            <a:spLocks noGrp="1"/>
-          </p:cNvSpPr>
-          <p:nvPr>
-            <p:ph type="sldNum" sz="quarter" idx="5"/>
-          </p:nvPr>
-        </p:nvSpPr>
-        <p:spPr>
-          <a:xfrm>
-            <a:off x="3884613" y="8685213"/>
-            <a:ext cx="2971800" cy="458787"/>
-          </a:xfrm>
-          <a:prstGeom prst="rect">
-            <a:avLst/>
-          </a:prstGeom>
-        </p:spPr>
-        <p:txBody>
-          <a:bodyPr vert="horz" lIns="91440" tIns="45720" rIns="91440" bIns="45720" rtlCol="0" anchor="b"/>
-          <a:lstStyle>
-            <a:lvl1pPr algn="r">
-              <a:defRPr sz="1200"/>
-            </a:lvl1pPr>
-          </a:lstStyle>
-          <a:p>
-            <a:fld id="{D1A499C0-C899-46C8-A0CA-E288E409B47A}" type="slidenum">
-              <a:rPr lang="zh-CN" altLang="en-US" smtClean="0"/>
-              <a:t>‹#›</a:t>
-            </a:fld>
-            <a:endParaRPr lang="zh-CN" altLang="en-US"/>
-          </a:p>
-        </p:txBody>
-      </p:sp>
-    </p:spTree>
-    <p:extLst>
-      <p:ext uri="{BB962C8B-B14F-4D97-AF65-F5344CB8AC3E}">
-        <p14:creationId xmlns:p14="http://schemas.microsoft.com/office/powerpoint/2010/main" val="4110781929"/>
-      </p:ext>
-    </p:extLst>
-  </p:cSld>
-  <p:clrMap bg1="lt1" tx1="dk1" bg2="lt2" tx2="dk2" accent1="accent1" accent2="accent2" accent3="accent3" accent4="accent4" accent5="accent5" accent6="accent6" hlink="hlink" folHlink="folHlink"/>
-  <p:notesStyle>
-    <a:lvl1pPr marL="0" algn="l" defTabSz="914400" rtl="0" eaLnBrk="1" latinLnBrk="0" hangingPunct="1">
-      <a:defRPr sz="1200" kern="1200">
-        <a:solidFill>
-          <a:schemeClr val="tx1"/>
-        </a:solidFill>
-        <a:latin typeface="+mn-lt"/>
-        <a:ea typeface="+mn-ea"/>
-        <a:cs typeface="+mn-cs"/>
-      </a:defRPr>
-    </a:lvl1pPr>
-    <a:lvl2pPr marL="457200" algn="l" defTabSz="914400" rtl="0" eaLnBrk="1" latinLnBrk="0" hangingPunct="1">
-      <a:defRPr sz="1200" kern="1200">
-        <a:solidFill>
-          <a:schemeClr val="tx1"/>
-        </a:solidFill>
-        <a:latin typeface="+mn-lt"/>
-        <a:ea typeface="+mn-ea"/>
-        <a:cs typeface="+mn-cs"/>
-      </a:defRPr>
-    </a:lvl2pPr>
-    <a:lvl3pPr marL="914400" algn="l" defTabSz="914400" rtl="0" eaLnBrk="1" latinLnBrk="0" hangingPunct="1">
-      <a:defRPr sz="1200" kern="1200">
-        <a:solidFill>
-          <a:schemeClr val="tx1"/>
-        </a:solidFill>
-        <a:latin typeface="+mn-lt"/>
-        <a:ea typeface="+mn-ea"/>
-        <a:cs typeface="+mn-cs"/>
-      </a:defRPr>
-    </a:lvl3pPr>
-    <a:lvl4pPr marL="1371600" algn="l" defTabSz="914400" rtl="0" eaLnBrk="1" latinLnBrk="0" hangingPunct="1">
-      <a:defRPr sz="1200" kern="1200">
-        <a:solidFill>
-          <a:schemeClr val="tx1"/>
-        </a:solidFill>
-        <a:latin typeface="+mn-lt"/>
-        <a:ea typeface="+mn-ea"/>
-        <a:cs typeface="+mn-cs"/>
-      </a:defRPr>
-    </a:lvl4pPr>
-    <a:lvl5pPr marL="1828800" algn="l" defTabSz="914400" rtl="0" eaLnBrk="1" latinLnBrk="0" hangingPunct="1">
-      <a:defRPr sz="1200" kern="1200">
-        <a:solidFill>
-          <a:schemeClr val="tx1"/>
-        </a:solidFill>
-        <a:latin typeface="+mn-lt"/>
-        <a:ea typeface="+mn-ea"/>
-        <a:cs typeface="+mn-cs"/>
-      </a:defRPr>
-    </a:lvl5pPr>
-    <a:lvl6pPr marL="2286000" algn="l" defTabSz="914400" rtl="0" eaLnBrk="1" latinLnBrk="0" hangingPunct="1">
-      <a:defRPr sz="1200" kern="1200">
-        <a:solidFill>
-          <a:schemeClr val="tx1"/>
-        </a:solidFill>
-        <a:latin typeface="+mn-lt"/>
-        <a:ea typeface="+mn-ea"/>
-        <a:cs typeface="+mn-cs"/>
-      </a:defRPr>
-    </a:lvl6pPr>
-    <a:lvl7pPr marL="2743200" algn="l" defTabSz="914400" rtl="0" eaLnBrk="1" latinLnBrk="0" hangingPunct="1">
-      <a:defRPr sz="1200" kern="1200">
-        <a:solidFill>
-          <a:schemeClr val="tx1"/>
-        </a:solidFill>
-        <a:latin typeface="+mn-lt"/>
-        <a:ea typeface="+mn-ea"/>
-        <a:cs typeface="+mn-cs"/>
-      </a:defRPr>
-    </a:lvl7pPr>
-    <a:lvl8pPr marL="3200400" algn="l" defTabSz="914400" rtl="0" eaLnBrk="1" latinLnBrk="0" hangingPunct="1">
-      <a:defRPr sz="1200" kern="1200">
-        <a:solidFill>
-          <a:schemeClr val="tx1"/>
-        </a:solidFill>
-        <a:latin typeface="+mn-lt"/>
-        <a:ea typeface="+mn-ea"/>
-        <a:cs typeface="+mn-cs"/>
-      </a:defRPr>
-    </a:lvl8pPr>
-    <a:lvl9pPr marL="3657600" algn="l" defTabSz="914400" rtl="0" eaLnBrk="1" latinLnBrk="0" hangingPunct="1">
-      <a:defRPr sz="1200" kern="1200">
-        <a:solidFill>
-          <a:schemeClr val="tx1"/>
-        </a:solidFill>
-        <a:latin typeface="+mn-lt"/>
-        <a:ea typeface="+mn-ea"/>
-        <a:cs typeface="+mn-cs"/>
-      </a:defRPr>
-    </a:lvl9pPr>
-  </p:notesStyle>
-</p:notesMaster>
-</file>
-
-<file path=ppt/notesSlides/notesSlide1.xml><?xml version="1.0" encoding="utf-8"?>
-<p:notes xmlns:a="http://schemas.openxmlformats.org/drawingml/2006/main" xmlns:r="http://schemas.openxmlformats.org/officeDocument/2006/relationships" xmlns:p="http://schemas.openxmlformats.org/presentationml/2006/main">
-  <p:cSld>
-    <p:spTree>
-      <p:nvGrpSpPr>
-        <p:cNvPr id="1" name=""/>
-        <p:cNvGrpSpPr/>
-        <p:nvPr/>
-      </p:nvGrpSpPr>
-      <p:grpSpPr>
-        <a:xfrm>
-          <a:off x="0" y="0"/>
-          <a:ext cx="0" cy="0"/>
-          <a:chOff x="0" y="0"/>
-          <a:chExt cx="0" cy="0"/>
-        </a:xfrm>
-      </p:grpSpPr>
-      <p:sp>
-        <p:nvSpPr>
-          <p:cNvPr id="2" name="幻灯片图像占位符 1"/>
-          <p:cNvSpPr>
-            <a:spLocks noGrp="1" noRot="1" noChangeAspect="1"/>
-          </p:cNvSpPr>
-          <p:nvPr>
-            <p:ph type="sldImg"/>
-          </p:nvPr>
-        </p:nvSpPr>
-        <p:spPr/>
-      </p:sp>
-      <p:sp>
-        <p:nvSpPr>
-          <p:cNvPr id="3" name="备注占位符 2"/>
-          <p:cNvSpPr>
-            <a:spLocks noGrp="1"/>
-          </p:cNvSpPr>
-          <p:nvPr>
-            <p:ph type="body" idx="1"/>
-          </p:nvPr>
-        </p:nvSpPr>
-        <p:spPr/>
-        <p:txBody>
-          <a:bodyPr/>
-          <a:lstStyle/>
-          <a:p>
-            <a:endParaRPr lang="zh-CN" altLang="en-US" dirty="0"/>
-          </a:p>
-        </p:txBody>
-      </p:sp>
-      <p:sp>
-        <p:nvSpPr>
-          <p:cNvPr id="4" name="灯片编号占位符 3"/>
-          <p:cNvSpPr>
-            <a:spLocks noGrp="1"/>
-          </p:cNvSpPr>
-          <p:nvPr>
-            <p:ph type="sldNum" sz="quarter" idx="5"/>
-          </p:nvPr>
-        </p:nvSpPr>
-        <p:spPr/>
-        <p:txBody>
-          <a:bodyPr/>
-          <a:lstStyle/>
-          <a:p>
-            <a:fld id="{84EDED85-0B0E-41CD-8673-BE819E30975F}" type="slidenum">
-              <a:rPr lang="zh-CN" altLang="en-US" smtClean="0"/>
-              <a:t>1</a:t>
-            </a:fld>
-            <a:endParaRPr lang="zh-CN" altLang="en-US"/>
-          </a:p>
-        </p:txBody>
-      </p:sp>
-    </p:spTree>
-    <p:extLst>
-      <p:ext uri="{BB962C8B-B14F-4D97-AF65-F5344CB8AC3E}">
-        <p14:creationId xmlns:p14="http://schemas.microsoft.com/office/powerpoint/2010/main" val="2381131959"/>
-      </p:ext>
-    </p:extLst>
-  </p:cSld>
-  <p:clrMapOvr>
-    <a:masterClrMapping/>
-  </p:clrMapOvr>
-</p:notes>
-</file>
-
 <file path=ppt/slideLayouts/slideLayout1.xml><?xml version="1.0" encoding="utf-8"?>
 <p:sldLayout xmlns:a="http://schemas.openxmlformats.org/drawingml/2006/main" xmlns:r="http://schemas.openxmlformats.org/officeDocument/2006/relationships" xmlns:p="http://schemas.openxmlformats.org/presentationml/2006/main" type="title" preserve="1">
   <p:cSld name="标题幻灯片">
@@ -565,7 +129,7 @@
           <p:cNvPr id="2" name="标题 1">
             <a:extLst>
               <a:ext uri="{FF2B5EF4-FFF2-40B4-BE49-F238E27FC236}">
-                <a16:creationId xmlns:a16="http://schemas.microsoft.com/office/drawing/2014/main" id="{E653C096-A41F-34F3-52C2-A50E38A4A5F5}"/>
+                <a16:creationId xmlns:a16="http://schemas.microsoft.com/office/drawing/2014/main" id="{4E54AB7E-9DD7-D218-9367-1B62343F30C2}"/>
               </a:ext>
             </a:extLst>
           </p:cNvPr>
@@ -602,7 +166,7 @@
           <p:cNvPr id="3" name="副标题 2">
             <a:extLst>
               <a:ext uri="{FF2B5EF4-FFF2-40B4-BE49-F238E27FC236}">
-                <a16:creationId xmlns:a16="http://schemas.microsoft.com/office/drawing/2014/main" id="{D6FB0A4A-CDA9-F932-5CEC-27F9215FEA80}"/>
+                <a16:creationId xmlns:a16="http://schemas.microsoft.com/office/drawing/2014/main" id="{D2A5C493-97BC-2A0C-A254-3C0952A68E21}"/>
               </a:ext>
             </a:extLst>
           </p:cNvPr>
@@ -672,7 +236,7 @@
           <p:cNvPr id="4" name="日期占位符 3">
             <a:extLst>
               <a:ext uri="{FF2B5EF4-FFF2-40B4-BE49-F238E27FC236}">
-                <a16:creationId xmlns:a16="http://schemas.microsoft.com/office/drawing/2014/main" id="{CE176BB1-D260-CDC4-46CB-79707E043A9F}"/>
+                <a16:creationId xmlns:a16="http://schemas.microsoft.com/office/drawing/2014/main" id="{7DF372D6-082D-1213-F21D-7D04E93D7031}"/>
               </a:ext>
             </a:extLst>
           </p:cNvPr>
@@ -688,7 +252,7 @@
           <a:bodyPr/>
           <a:lstStyle/>
           <a:p>
-            <a:fld id="{D498D992-9A45-409D-A474-53E14A20EC52}" type="datetimeFigureOut">
+            <a:fld id="{7E8AADF6-C0A0-4743-B9E2-337BDFB4882F}" type="datetimeFigureOut">
               <a:rPr lang="zh-CN" altLang="en-US" smtClean="0"/>
               <a:t>2024/3/10</a:t>
             </a:fld>
@@ -701,7 +265,7 @@
           <p:cNvPr id="5" name="页脚占位符 4">
             <a:extLst>
               <a:ext uri="{FF2B5EF4-FFF2-40B4-BE49-F238E27FC236}">
-                <a16:creationId xmlns:a16="http://schemas.microsoft.com/office/drawing/2014/main" id="{3E24DA3C-D740-9346-C6E9-F1BD9ECECE83}"/>
+                <a16:creationId xmlns:a16="http://schemas.microsoft.com/office/drawing/2014/main" id="{5E4B0658-4EB6-F8CD-BDE1-CC699DC7CF18}"/>
               </a:ext>
             </a:extLst>
           </p:cNvPr>
@@ -726,7 +290,7 @@
           <p:cNvPr id="6" name="灯片编号占位符 5">
             <a:extLst>
               <a:ext uri="{FF2B5EF4-FFF2-40B4-BE49-F238E27FC236}">
-                <a16:creationId xmlns:a16="http://schemas.microsoft.com/office/drawing/2014/main" id="{482D90BD-D8DA-B045-BADF-9A9D3D1E4F46}"/>
+                <a16:creationId xmlns:a16="http://schemas.microsoft.com/office/drawing/2014/main" id="{5ED26480-7D61-4F08-59B9-A9AF8991220E}"/>
               </a:ext>
             </a:extLst>
           </p:cNvPr>
@@ -742,7 +306,7 @@
           <a:bodyPr/>
           <a:lstStyle/>
           <a:p>
-            <a:fld id="{8219835C-1BEE-44E2-A39E-0E460C26C747}" type="slidenum">
+            <a:fld id="{8348D630-E281-4EF7-A218-4156206F87C2}" type="slidenum">
               <a:rPr lang="zh-CN" altLang="en-US" smtClean="0"/>
               <a:t>‹#›</a:t>
             </a:fld>
@@ -753,7 +317,7 @@
     </p:spTree>
     <p:extLst>
       <p:ext uri="{BB962C8B-B14F-4D97-AF65-F5344CB8AC3E}">
-        <p14:creationId xmlns:p14="http://schemas.microsoft.com/office/powerpoint/2010/main" val="3323187809"/>
+        <p14:creationId xmlns:p14="http://schemas.microsoft.com/office/powerpoint/2010/main" val="3933015203"/>
       </p:ext>
     </p:extLst>
   </p:cSld>
@@ -785,7 +349,7 @@
           <p:cNvPr id="2" name="标题 1">
             <a:extLst>
               <a:ext uri="{FF2B5EF4-FFF2-40B4-BE49-F238E27FC236}">
-                <a16:creationId xmlns:a16="http://schemas.microsoft.com/office/drawing/2014/main" id="{3FB73F37-437B-5227-76F7-B25AF0B58CFF}"/>
+                <a16:creationId xmlns:a16="http://schemas.microsoft.com/office/drawing/2014/main" id="{E62B0940-BAEA-4E55-5D44-244609C0B485}"/>
               </a:ext>
             </a:extLst>
           </p:cNvPr>
@@ -813,7 +377,7 @@
           <p:cNvPr id="3" name="竖排文字占位符 2">
             <a:extLst>
               <a:ext uri="{FF2B5EF4-FFF2-40B4-BE49-F238E27FC236}">
-                <a16:creationId xmlns:a16="http://schemas.microsoft.com/office/drawing/2014/main" id="{5E664B64-3412-A71F-08E5-C7AFB9E539AB}"/>
+                <a16:creationId xmlns:a16="http://schemas.microsoft.com/office/drawing/2014/main" id="{8DBC9F9C-5C38-7624-1713-7D50F6F20837}"/>
               </a:ext>
             </a:extLst>
           </p:cNvPr>
@@ -870,7 +434,7 @@
           <p:cNvPr id="4" name="日期占位符 3">
             <a:extLst>
               <a:ext uri="{FF2B5EF4-FFF2-40B4-BE49-F238E27FC236}">
-                <a16:creationId xmlns:a16="http://schemas.microsoft.com/office/drawing/2014/main" id="{079FC641-C802-95A3-D3D2-862DD316A53B}"/>
+                <a16:creationId xmlns:a16="http://schemas.microsoft.com/office/drawing/2014/main" id="{43C68A3A-2106-4974-14E0-CE2869FFA705}"/>
               </a:ext>
             </a:extLst>
           </p:cNvPr>
@@ -886,7 +450,7 @@
           <a:bodyPr/>
           <a:lstStyle/>
           <a:p>
-            <a:fld id="{D498D992-9A45-409D-A474-53E14A20EC52}" type="datetimeFigureOut">
+            <a:fld id="{7E8AADF6-C0A0-4743-B9E2-337BDFB4882F}" type="datetimeFigureOut">
               <a:rPr lang="zh-CN" altLang="en-US" smtClean="0"/>
               <a:t>2024/3/10</a:t>
             </a:fld>
@@ -899,7 +463,7 @@
           <p:cNvPr id="5" name="页脚占位符 4">
             <a:extLst>
               <a:ext uri="{FF2B5EF4-FFF2-40B4-BE49-F238E27FC236}">
-                <a16:creationId xmlns:a16="http://schemas.microsoft.com/office/drawing/2014/main" id="{D19EA092-3B63-3D13-4CA7-3237008B0AF5}"/>
+                <a16:creationId xmlns:a16="http://schemas.microsoft.com/office/drawing/2014/main" id="{B01E8A6D-9F74-F7C5-1D86-7DE913891821}"/>
               </a:ext>
             </a:extLst>
           </p:cNvPr>
@@ -924,7 +488,7 @@
           <p:cNvPr id="6" name="灯片编号占位符 5">
             <a:extLst>
               <a:ext uri="{FF2B5EF4-FFF2-40B4-BE49-F238E27FC236}">
-                <a16:creationId xmlns:a16="http://schemas.microsoft.com/office/drawing/2014/main" id="{6E1DC01D-732D-F783-E95A-18BB7C3867EF}"/>
+                <a16:creationId xmlns:a16="http://schemas.microsoft.com/office/drawing/2014/main" id="{4F3922AB-76C7-CB95-35F6-5CBB0310FD52}"/>
               </a:ext>
             </a:extLst>
           </p:cNvPr>
@@ -940,7 +504,7 @@
           <a:bodyPr/>
           <a:lstStyle/>
           <a:p>
-            <a:fld id="{8219835C-1BEE-44E2-A39E-0E460C26C747}" type="slidenum">
+            <a:fld id="{8348D630-E281-4EF7-A218-4156206F87C2}" type="slidenum">
               <a:rPr lang="zh-CN" altLang="en-US" smtClean="0"/>
               <a:t>‹#›</a:t>
             </a:fld>
@@ -951,7 +515,7 @@
     </p:spTree>
     <p:extLst>
       <p:ext uri="{BB962C8B-B14F-4D97-AF65-F5344CB8AC3E}">
-        <p14:creationId xmlns:p14="http://schemas.microsoft.com/office/powerpoint/2010/main" val="3500114276"/>
+        <p14:creationId xmlns:p14="http://schemas.microsoft.com/office/powerpoint/2010/main" val="3522050287"/>
       </p:ext>
     </p:extLst>
   </p:cSld>
@@ -983,7 +547,7 @@
           <p:cNvPr id="2" name="竖排标题 1">
             <a:extLst>
               <a:ext uri="{FF2B5EF4-FFF2-40B4-BE49-F238E27FC236}">
-                <a16:creationId xmlns:a16="http://schemas.microsoft.com/office/drawing/2014/main" id="{418B922A-1FE8-9BD2-AF9F-4D2F64128F32}"/>
+                <a16:creationId xmlns:a16="http://schemas.microsoft.com/office/drawing/2014/main" id="{FDD1A942-5DEB-F1F6-792A-7C4BD1188009}"/>
               </a:ext>
             </a:extLst>
           </p:cNvPr>
@@ -1016,7 +580,7 @@
           <p:cNvPr id="3" name="竖排文字占位符 2">
             <a:extLst>
               <a:ext uri="{FF2B5EF4-FFF2-40B4-BE49-F238E27FC236}">
-                <a16:creationId xmlns:a16="http://schemas.microsoft.com/office/drawing/2014/main" id="{705C693E-84C7-7C44-25C4-79D554B35A73}"/>
+                <a16:creationId xmlns:a16="http://schemas.microsoft.com/office/drawing/2014/main" id="{C4682E01-90FF-4B54-6F17-F9C5FFA9A838}"/>
               </a:ext>
             </a:extLst>
           </p:cNvPr>
@@ -1078,7 +642,7 @@
           <p:cNvPr id="4" name="日期占位符 3">
             <a:extLst>
               <a:ext uri="{FF2B5EF4-FFF2-40B4-BE49-F238E27FC236}">
-                <a16:creationId xmlns:a16="http://schemas.microsoft.com/office/drawing/2014/main" id="{5AB677E3-92F3-C606-24DE-D8E1DD599416}"/>
+                <a16:creationId xmlns:a16="http://schemas.microsoft.com/office/drawing/2014/main" id="{078B8AA2-0862-CEEB-6DD8-A81C08821D15}"/>
               </a:ext>
             </a:extLst>
           </p:cNvPr>
@@ -1094,7 +658,7 @@
           <a:bodyPr/>
           <a:lstStyle/>
           <a:p>
-            <a:fld id="{D498D992-9A45-409D-A474-53E14A20EC52}" type="datetimeFigureOut">
+            <a:fld id="{7E8AADF6-C0A0-4743-B9E2-337BDFB4882F}" type="datetimeFigureOut">
               <a:rPr lang="zh-CN" altLang="en-US" smtClean="0"/>
               <a:t>2024/3/10</a:t>
             </a:fld>
@@ -1107,7 +671,7 @@
           <p:cNvPr id="5" name="页脚占位符 4">
             <a:extLst>
               <a:ext uri="{FF2B5EF4-FFF2-40B4-BE49-F238E27FC236}">
-                <a16:creationId xmlns:a16="http://schemas.microsoft.com/office/drawing/2014/main" id="{761869D6-0BE2-6E47-8652-23EBC4328988}"/>
+                <a16:creationId xmlns:a16="http://schemas.microsoft.com/office/drawing/2014/main" id="{0D5E0444-A449-596B-3106-F14072CD0A2C}"/>
               </a:ext>
             </a:extLst>
           </p:cNvPr>
@@ -1132,7 +696,7 @@
           <p:cNvPr id="6" name="灯片编号占位符 5">
             <a:extLst>
               <a:ext uri="{FF2B5EF4-FFF2-40B4-BE49-F238E27FC236}">
-                <a16:creationId xmlns:a16="http://schemas.microsoft.com/office/drawing/2014/main" id="{23F1EED1-195F-0124-811E-5E82B8CB0836}"/>
+                <a16:creationId xmlns:a16="http://schemas.microsoft.com/office/drawing/2014/main" id="{21016D5E-0B87-04EF-3BAC-EFDC76CD1FA6}"/>
               </a:ext>
             </a:extLst>
           </p:cNvPr>
@@ -1148,7 +712,7 @@
           <a:bodyPr/>
           <a:lstStyle/>
           <a:p>
-            <a:fld id="{8219835C-1BEE-44E2-A39E-0E460C26C747}" type="slidenum">
+            <a:fld id="{8348D630-E281-4EF7-A218-4156206F87C2}" type="slidenum">
               <a:rPr lang="zh-CN" altLang="en-US" smtClean="0"/>
               <a:t>‹#›</a:t>
             </a:fld>
@@ -1159,7 +723,7 @@
     </p:spTree>
     <p:extLst>
       <p:ext uri="{BB962C8B-B14F-4D97-AF65-F5344CB8AC3E}">
-        <p14:creationId xmlns:p14="http://schemas.microsoft.com/office/powerpoint/2010/main" val="2516860501"/>
+        <p14:creationId xmlns:p14="http://schemas.microsoft.com/office/powerpoint/2010/main" val="75363254"/>
       </p:ext>
     </p:extLst>
   </p:cSld>
@@ -1191,7 +755,7 @@
           <p:cNvPr id="2" name="标题 1">
             <a:extLst>
               <a:ext uri="{FF2B5EF4-FFF2-40B4-BE49-F238E27FC236}">
-                <a16:creationId xmlns:a16="http://schemas.microsoft.com/office/drawing/2014/main" id="{EFB77AFD-C29D-AABD-2B84-3C7D3C5788E1}"/>
+                <a16:creationId xmlns:a16="http://schemas.microsoft.com/office/drawing/2014/main" id="{5C44EF60-8258-DDA6-55D5-353A69ED69B4}"/>
               </a:ext>
             </a:extLst>
           </p:cNvPr>
@@ -1219,7 +783,7 @@
           <p:cNvPr id="3" name="内容占位符 2">
             <a:extLst>
               <a:ext uri="{FF2B5EF4-FFF2-40B4-BE49-F238E27FC236}">
-                <a16:creationId xmlns:a16="http://schemas.microsoft.com/office/drawing/2014/main" id="{F760EE2A-2FDB-C234-9F4C-156E6C42544D}"/>
+                <a16:creationId xmlns:a16="http://schemas.microsoft.com/office/drawing/2014/main" id="{45F4CFD0-DA3F-897B-6561-E9C5CE335C75}"/>
               </a:ext>
             </a:extLst>
           </p:cNvPr>
@@ -1276,7 +840,7 @@
           <p:cNvPr id="4" name="日期占位符 3">
             <a:extLst>
               <a:ext uri="{FF2B5EF4-FFF2-40B4-BE49-F238E27FC236}">
-                <a16:creationId xmlns:a16="http://schemas.microsoft.com/office/drawing/2014/main" id="{3B8E5B70-5F3B-C34B-7660-6A53BB7B6E25}"/>
+                <a16:creationId xmlns:a16="http://schemas.microsoft.com/office/drawing/2014/main" id="{1BE9429F-7DC8-5A0F-7697-BFBF3FF153C6}"/>
               </a:ext>
             </a:extLst>
           </p:cNvPr>
@@ -1292,7 +856,7 @@
           <a:bodyPr/>
           <a:lstStyle/>
           <a:p>
-            <a:fld id="{D498D992-9A45-409D-A474-53E14A20EC52}" type="datetimeFigureOut">
+            <a:fld id="{7E8AADF6-C0A0-4743-B9E2-337BDFB4882F}" type="datetimeFigureOut">
               <a:rPr lang="zh-CN" altLang="en-US" smtClean="0"/>
               <a:t>2024/3/10</a:t>
             </a:fld>
@@ -1305,7 +869,7 @@
           <p:cNvPr id="5" name="页脚占位符 4">
             <a:extLst>
               <a:ext uri="{FF2B5EF4-FFF2-40B4-BE49-F238E27FC236}">
-                <a16:creationId xmlns:a16="http://schemas.microsoft.com/office/drawing/2014/main" id="{A32CD0C6-DF40-0CB5-01A0-0CFD72E65BF9}"/>
+                <a16:creationId xmlns:a16="http://schemas.microsoft.com/office/drawing/2014/main" id="{767E0F80-672D-26DD-64B0-65DE712DD3C3}"/>
               </a:ext>
             </a:extLst>
           </p:cNvPr>
@@ -1330,7 +894,7 @@
           <p:cNvPr id="6" name="灯片编号占位符 5">
             <a:extLst>
               <a:ext uri="{FF2B5EF4-FFF2-40B4-BE49-F238E27FC236}">
-                <a16:creationId xmlns:a16="http://schemas.microsoft.com/office/drawing/2014/main" id="{EA29DD99-62F8-CC64-A2BA-4FBA5B982A88}"/>
+                <a16:creationId xmlns:a16="http://schemas.microsoft.com/office/drawing/2014/main" id="{2DEF410D-8677-D805-C84A-04F5560DEF8B}"/>
               </a:ext>
             </a:extLst>
           </p:cNvPr>
@@ -1346,7 +910,7 @@
           <a:bodyPr/>
           <a:lstStyle/>
           <a:p>
-            <a:fld id="{8219835C-1BEE-44E2-A39E-0E460C26C747}" type="slidenum">
+            <a:fld id="{8348D630-E281-4EF7-A218-4156206F87C2}" type="slidenum">
               <a:rPr lang="zh-CN" altLang="en-US" smtClean="0"/>
               <a:t>‹#›</a:t>
             </a:fld>
@@ -1357,7 +921,7 @@
     </p:spTree>
     <p:extLst>
       <p:ext uri="{BB962C8B-B14F-4D97-AF65-F5344CB8AC3E}">
-        <p14:creationId xmlns:p14="http://schemas.microsoft.com/office/powerpoint/2010/main" val="353935343"/>
+        <p14:creationId xmlns:p14="http://schemas.microsoft.com/office/powerpoint/2010/main" val="3854750562"/>
       </p:ext>
     </p:extLst>
   </p:cSld>
@@ -1389,7 +953,7 @@
           <p:cNvPr id="2" name="标题 1">
             <a:extLst>
               <a:ext uri="{FF2B5EF4-FFF2-40B4-BE49-F238E27FC236}">
-                <a16:creationId xmlns:a16="http://schemas.microsoft.com/office/drawing/2014/main" id="{8AF74734-8FF6-BBBF-E6CA-DBB1614D0087}"/>
+                <a16:creationId xmlns:a16="http://schemas.microsoft.com/office/drawing/2014/main" id="{FF9D964E-09D9-9CCA-52EB-FE7E7ED3A086}"/>
               </a:ext>
             </a:extLst>
           </p:cNvPr>
@@ -1426,7 +990,7 @@
           <p:cNvPr id="3" name="文本占位符 2">
             <a:extLst>
               <a:ext uri="{FF2B5EF4-FFF2-40B4-BE49-F238E27FC236}">
-                <a16:creationId xmlns:a16="http://schemas.microsoft.com/office/drawing/2014/main" id="{1099EFEB-5276-8C7F-CF5F-BD460A4C543D}"/>
+                <a16:creationId xmlns:a16="http://schemas.microsoft.com/office/drawing/2014/main" id="{CB2385D9-9415-077F-4C33-94538C0F1AD9}"/>
               </a:ext>
             </a:extLst>
           </p:cNvPr>
@@ -1551,7 +1115,7 @@
           <p:cNvPr id="4" name="日期占位符 3">
             <a:extLst>
               <a:ext uri="{FF2B5EF4-FFF2-40B4-BE49-F238E27FC236}">
-                <a16:creationId xmlns:a16="http://schemas.microsoft.com/office/drawing/2014/main" id="{21034A52-F01E-6450-730B-95C7E8E13329}"/>
+                <a16:creationId xmlns:a16="http://schemas.microsoft.com/office/drawing/2014/main" id="{191952C4-8E32-9E95-80FF-E7FAF3375981}"/>
               </a:ext>
             </a:extLst>
           </p:cNvPr>
@@ -1567,7 +1131,7 @@
           <a:bodyPr/>
           <a:lstStyle/>
           <a:p>
-            <a:fld id="{D498D992-9A45-409D-A474-53E14A20EC52}" type="datetimeFigureOut">
+            <a:fld id="{7E8AADF6-C0A0-4743-B9E2-337BDFB4882F}" type="datetimeFigureOut">
               <a:rPr lang="zh-CN" altLang="en-US" smtClean="0"/>
               <a:t>2024/3/10</a:t>
             </a:fld>
@@ -1580,7 +1144,7 @@
           <p:cNvPr id="5" name="页脚占位符 4">
             <a:extLst>
               <a:ext uri="{FF2B5EF4-FFF2-40B4-BE49-F238E27FC236}">
-                <a16:creationId xmlns:a16="http://schemas.microsoft.com/office/drawing/2014/main" id="{23551CE7-E92D-1136-8523-118EF1770B91}"/>
+                <a16:creationId xmlns:a16="http://schemas.microsoft.com/office/drawing/2014/main" id="{321CEAE6-4DFF-691B-0AA2-4DA0BE280C15}"/>
               </a:ext>
             </a:extLst>
           </p:cNvPr>
@@ -1605,7 +1169,7 @@
           <p:cNvPr id="6" name="灯片编号占位符 5">
             <a:extLst>
               <a:ext uri="{FF2B5EF4-FFF2-40B4-BE49-F238E27FC236}">
-                <a16:creationId xmlns:a16="http://schemas.microsoft.com/office/drawing/2014/main" id="{A787B9BA-B73A-2BE2-F437-649A6DB1FF1A}"/>
+                <a16:creationId xmlns:a16="http://schemas.microsoft.com/office/drawing/2014/main" id="{4E18ECC7-8A37-FFF6-EAE7-A8C728BF5B12}"/>
               </a:ext>
             </a:extLst>
           </p:cNvPr>
@@ -1621,7 +1185,7 @@
           <a:bodyPr/>
           <a:lstStyle/>
           <a:p>
-            <a:fld id="{8219835C-1BEE-44E2-A39E-0E460C26C747}" type="slidenum">
+            <a:fld id="{8348D630-E281-4EF7-A218-4156206F87C2}" type="slidenum">
               <a:rPr lang="zh-CN" altLang="en-US" smtClean="0"/>
               <a:t>‹#›</a:t>
             </a:fld>
@@ -1632,7 +1196,7 @@
     </p:spTree>
     <p:extLst>
       <p:ext uri="{BB962C8B-B14F-4D97-AF65-F5344CB8AC3E}">
-        <p14:creationId xmlns:p14="http://schemas.microsoft.com/office/powerpoint/2010/main" val="2040817742"/>
+        <p14:creationId xmlns:p14="http://schemas.microsoft.com/office/powerpoint/2010/main" val="3157149578"/>
       </p:ext>
     </p:extLst>
   </p:cSld>
@@ -1664,7 +1228,7 @@
           <p:cNvPr id="2" name="标题 1">
             <a:extLst>
               <a:ext uri="{FF2B5EF4-FFF2-40B4-BE49-F238E27FC236}">
-                <a16:creationId xmlns:a16="http://schemas.microsoft.com/office/drawing/2014/main" id="{5DF457B7-214D-2183-1BB7-CDF3DA104340}"/>
+                <a16:creationId xmlns:a16="http://schemas.microsoft.com/office/drawing/2014/main" id="{B4309C77-5A94-5698-D03D-053C6CF93280}"/>
               </a:ext>
             </a:extLst>
           </p:cNvPr>
@@ -1692,7 +1256,7 @@
           <p:cNvPr id="3" name="内容占位符 2">
             <a:extLst>
               <a:ext uri="{FF2B5EF4-FFF2-40B4-BE49-F238E27FC236}">
-                <a16:creationId xmlns:a16="http://schemas.microsoft.com/office/drawing/2014/main" id="{3722265B-DC0B-5D11-6CC2-9C4F051302AB}"/>
+                <a16:creationId xmlns:a16="http://schemas.microsoft.com/office/drawing/2014/main" id="{76A18774-5003-D734-167A-0664CAE3CA26}"/>
               </a:ext>
             </a:extLst>
           </p:cNvPr>
@@ -1754,7 +1318,7 @@
           <p:cNvPr id="4" name="内容占位符 3">
             <a:extLst>
               <a:ext uri="{FF2B5EF4-FFF2-40B4-BE49-F238E27FC236}">
-                <a16:creationId xmlns:a16="http://schemas.microsoft.com/office/drawing/2014/main" id="{CDDDB449-DA6A-83CF-9D4A-276055B5D6AD}"/>
+                <a16:creationId xmlns:a16="http://schemas.microsoft.com/office/drawing/2014/main" id="{78160E2B-9FE4-10DE-0788-11FCF0572ECA}"/>
               </a:ext>
             </a:extLst>
           </p:cNvPr>
@@ -1816,7 +1380,7 @@
           <p:cNvPr id="5" name="日期占位符 4">
             <a:extLst>
               <a:ext uri="{FF2B5EF4-FFF2-40B4-BE49-F238E27FC236}">
-                <a16:creationId xmlns:a16="http://schemas.microsoft.com/office/drawing/2014/main" id="{E4B7F618-60C0-B471-5A05-64EF472683BA}"/>
+                <a16:creationId xmlns:a16="http://schemas.microsoft.com/office/drawing/2014/main" id="{EEB17B57-1B43-05DE-35A7-FE756B8EC819}"/>
               </a:ext>
             </a:extLst>
           </p:cNvPr>
@@ -1832,7 +1396,7 @@
           <a:bodyPr/>
           <a:lstStyle/>
           <a:p>
-            <a:fld id="{D498D992-9A45-409D-A474-53E14A20EC52}" type="datetimeFigureOut">
+            <a:fld id="{7E8AADF6-C0A0-4743-B9E2-337BDFB4882F}" type="datetimeFigureOut">
               <a:rPr lang="zh-CN" altLang="en-US" smtClean="0"/>
               <a:t>2024/3/10</a:t>
             </a:fld>
@@ -1845,7 +1409,7 @@
           <p:cNvPr id="6" name="页脚占位符 5">
             <a:extLst>
               <a:ext uri="{FF2B5EF4-FFF2-40B4-BE49-F238E27FC236}">
-                <a16:creationId xmlns:a16="http://schemas.microsoft.com/office/drawing/2014/main" id="{570FDE45-986B-2EB5-56CA-7F915F428A9B}"/>
+                <a16:creationId xmlns:a16="http://schemas.microsoft.com/office/drawing/2014/main" id="{1BEF9C0E-76DF-C6EB-A895-CF5E7E728B0A}"/>
               </a:ext>
             </a:extLst>
           </p:cNvPr>
@@ -1870,7 +1434,7 @@
           <p:cNvPr id="7" name="灯片编号占位符 6">
             <a:extLst>
               <a:ext uri="{FF2B5EF4-FFF2-40B4-BE49-F238E27FC236}">
-                <a16:creationId xmlns:a16="http://schemas.microsoft.com/office/drawing/2014/main" id="{6552AFF7-8C5C-F6D9-1751-E1E9EAA8F9EB}"/>
+                <a16:creationId xmlns:a16="http://schemas.microsoft.com/office/drawing/2014/main" id="{FE890C48-DC73-CD6C-3203-A7064733A6F5}"/>
               </a:ext>
             </a:extLst>
           </p:cNvPr>
@@ -1886,7 +1450,7 @@
           <a:bodyPr/>
           <a:lstStyle/>
           <a:p>
-            <a:fld id="{8219835C-1BEE-44E2-A39E-0E460C26C747}" type="slidenum">
+            <a:fld id="{8348D630-E281-4EF7-A218-4156206F87C2}" type="slidenum">
               <a:rPr lang="zh-CN" altLang="en-US" smtClean="0"/>
               <a:t>‹#›</a:t>
             </a:fld>
@@ -1897,7 +1461,7 @@
     </p:spTree>
     <p:extLst>
       <p:ext uri="{BB962C8B-B14F-4D97-AF65-F5344CB8AC3E}">
-        <p14:creationId xmlns:p14="http://schemas.microsoft.com/office/powerpoint/2010/main" val="2741446088"/>
+        <p14:creationId xmlns:p14="http://schemas.microsoft.com/office/powerpoint/2010/main" val="2028776929"/>
       </p:ext>
     </p:extLst>
   </p:cSld>
@@ -1929,7 +1493,7 @@
           <p:cNvPr id="2" name="标题 1">
             <a:extLst>
               <a:ext uri="{FF2B5EF4-FFF2-40B4-BE49-F238E27FC236}">
-                <a16:creationId xmlns:a16="http://schemas.microsoft.com/office/drawing/2014/main" id="{5BADA2B0-865B-5104-F7F9-1751BA59193A}"/>
+                <a16:creationId xmlns:a16="http://schemas.microsoft.com/office/drawing/2014/main" id="{16A0BD4E-61DA-A221-C2D2-EC8E388E7BF1}"/>
               </a:ext>
             </a:extLst>
           </p:cNvPr>
@@ -1962,7 +1526,7 @@
           <p:cNvPr id="3" name="文本占位符 2">
             <a:extLst>
               <a:ext uri="{FF2B5EF4-FFF2-40B4-BE49-F238E27FC236}">
-                <a16:creationId xmlns:a16="http://schemas.microsoft.com/office/drawing/2014/main" id="{9D871211-C88D-B82B-BAC4-04B5BA17D6CD}"/>
+                <a16:creationId xmlns:a16="http://schemas.microsoft.com/office/drawing/2014/main" id="{9BC85D7B-97F7-4534-11A1-E6695AF04C2A}"/>
               </a:ext>
             </a:extLst>
           </p:cNvPr>
@@ -2033,7 +1597,7 @@
           <p:cNvPr id="4" name="内容占位符 3">
             <a:extLst>
               <a:ext uri="{FF2B5EF4-FFF2-40B4-BE49-F238E27FC236}">
-                <a16:creationId xmlns:a16="http://schemas.microsoft.com/office/drawing/2014/main" id="{5BAE9E62-35B3-F908-E3F4-8F16194DF463}"/>
+                <a16:creationId xmlns:a16="http://schemas.microsoft.com/office/drawing/2014/main" id="{0AF0C1AA-8E4A-619C-2C7C-A6AE6969D23A}"/>
               </a:ext>
             </a:extLst>
           </p:cNvPr>
@@ -2095,7 +1659,7 @@
           <p:cNvPr id="5" name="文本占位符 4">
             <a:extLst>
               <a:ext uri="{FF2B5EF4-FFF2-40B4-BE49-F238E27FC236}">
-                <a16:creationId xmlns:a16="http://schemas.microsoft.com/office/drawing/2014/main" id="{4F1BB303-8F89-3405-147D-BC09B163BB9C}"/>
+                <a16:creationId xmlns:a16="http://schemas.microsoft.com/office/drawing/2014/main" id="{0BC9B4B6-3BA3-621D-7A29-6BCC04DB95DB}"/>
               </a:ext>
             </a:extLst>
           </p:cNvPr>
@@ -2166,7 +1730,7 @@
           <p:cNvPr id="6" name="内容占位符 5">
             <a:extLst>
               <a:ext uri="{FF2B5EF4-FFF2-40B4-BE49-F238E27FC236}">
-                <a16:creationId xmlns:a16="http://schemas.microsoft.com/office/drawing/2014/main" id="{0C239DB3-2BBD-E874-4BF3-6247E289ABAC}"/>
+                <a16:creationId xmlns:a16="http://schemas.microsoft.com/office/drawing/2014/main" id="{E78C0719-663A-8DA0-CAD3-5A3188A6418A}"/>
               </a:ext>
             </a:extLst>
           </p:cNvPr>
@@ -2228,7 +1792,7 @@
           <p:cNvPr id="7" name="日期占位符 6">
             <a:extLst>
               <a:ext uri="{FF2B5EF4-FFF2-40B4-BE49-F238E27FC236}">
-                <a16:creationId xmlns:a16="http://schemas.microsoft.com/office/drawing/2014/main" id="{3356B23F-96AB-FEA2-E48F-E141D4FA4773}"/>
+                <a16:creationId xmlns:a16="http://schemas.microsoft.com/office/drawing/2014/main" id="{476968A4-F0B2-D977-8410-9B803D727B9B}"/>
               </a:ext>
             </a:extLst>
           </p:cNvPr>
@@ -2244,7 +1808,7 @@
           <a:bodyPr/>
           <a:lstStyle/>
           <a:p>
-            <a:fld id="{D498D992-9A45-409D-A474-53E14A20EC52}" type="datetimeFigureOut">
+            <a:fld id="{7E8AADF6-C0A0-4743-B9E2-337BDFB4882F}" type="datetimeFigureOut">
               <a:rPr lang="zh-CN" altLang="en-US" smtClean="0"/>
               <a:t>2024/3/10</a:t>
             </a:fld>
@@ -2257,7 +1821,7 @@
           <p:cNvPr id="8" name="页脚占位符 7">
             <a:extLst>
               <a:ext uri="{FF2B5EF4-FFF2-40B4-BE49-F238E27FC236}">
-                <a16:creationId xmlns:a16="http://schemas.microsoft.com/office/drawing/2014/main" id="{CD82C2C0-1DF4-EC0D-D312-EC392C09AA1A}"/>
+                <a16:creationId xmlns:a16="http://schemas.microsoft.com/office/drawing/2014/main" id="{7056B640-9EDC-0438-B783-2E49E6555141}"/>
               </a:ext>
             </a:extLst>
           </p:cNvPr>
@@ -2282,7 +1846,7 @@
           <p:cNvPr id="9" name="灯片编号占位符 8">
             <a:extLst>
               <a:ext uri="{FF2B5EF4-FFF2-40B4-BE49-F238E27FC236}">
-                <a16:creationId xmlns:a16="http://schemas.microsoft.com/office/drawing/2014/main" id="{70A73F68-FC8B-E51B-3C63-3AD5E8DEDF48}"/>
+                <a16:creationId xmlns:a16="http://schemas.microsoft.com/office/drawing/2014/main" id="{38E74B98-283D-F486-21C3-11687CF407E1}"/>
               </a:ext>
             </a:extLst>
           </p:cNvPr>
@@ -2298,7 +1862,7 @@
           <a:bodyPr/>
           <a:lstStyle/>
           <a:p>
-            <a:fld id="{8219835C-1BEE-44E2-A39E-0E460C26C747}" type="slidenum">
+            <a:fld id="{8348D630-E281-4EF7-A218-4156206F87C2}" type="slidenum">
               <a:rPr lang="zh-CN" altLang="en-US" smtClean="0"/>
               <a:t>‹#›</a:t>
             </a:fld>
@@ -2309,7 +1873,7 @@
     </p:spTree>
     <p:extLst>
       <p:ext uri="{BB962C8B-B14F-4D97-AF65-F5344CB8AC3E}">
-        <p14:creationId xmlns:p14="http://schemas.microsoft.com/office/powerpoint/2010/main" val="421726854"/>
+        <p14:creationId xmlns:p14="http://schemas.microsoft.com/office/powerpoint/2010/main" val="1403881742"/>
       </p:ext>
     </p:extLst>
   </p:cSld>
@@ -2341,7 +1905,7 @@
           <p:cNvPr id="2" name="标题 1">
             <a:extLst>
               <a:ext uri="{FF2B5EF4-FFF2-40B4-BE49-F238E27FC236}">
-                <a16:creationId xmlns:a16="http://schemas.microsoft.com/office/drawing/2014/main" id="{49976AE2-7DE6-EB93-05D3-351D4EB066B0}"/>
+                <a16:creationId xmlns:a16="http://schemas.microsoft.com/office/drawing/2014/main" id="{046976A0-C519-207C-D4C2-C200C7533DE1}"/>
               </a:ext>
             </a:extLst>
           </p:cNvPr>
@@ -2369,7 +1933,7 @@
           <p:cNvPr id="3" name="日期占位符 2">
             <a:extLst>
               <a:ext uri="{FF2B5EF4-FFF2-40B4-BE49-F238E27FC236}">
-                <a16:creationId xmlns:a16="http://schemas.microsoft.com/office/drawing/2014/main" id="{5519FB8A-A7E9-E787-955C-55B8C56BD89A}"/>
+                <a16:creationId xmlns:a16="http://schemas.microsoft.com/office/drawing/2014/main" id="{A71B4E8F-C33C-EB4F-D47E-616E255AA0EF}"/>
               </a:ext>
             </a:extLst>
           </p:cNvPr>
@@ -2385,7 +1949,7 @@
           <a:bodyPr/>
           <a:lstStyle/>
           <a:p>
-            <a:fld id="{D498D992-9A45-409D-A474-53E14A20EC52}" type="datetimeFigureOut">
+            <a:fld id="{7E8AADF6-C0A0-4743-B9E2-337BDFB4882F}" type="datetimeFigureOut">
               <a:rPr lang="zh-CN" altLang="en-US" smtClean="0"/>
               <a:t>2024/3/10</a:t>
             </a:fld>
@@ -2398,7 +1962,7 @@
           <p:cNvPr id="4" name="页脚占位符 3">
             <a:extLst>
               <a:ext uri="{FF2B5EF4-FFF2-40B4-BE49-F238E27FC236}">
-                <a16:creationId xmlns:a16="http://schemas.microsoft.com/office/drawing/2014/main" id="{2802B71F-CC42-293F-4C48-A8070D8ACF15}"/>
+                <a16:creationId xmlns:a16="http://schemas.microsoft.com/office/drawing/2014/main" id="{7C5030FB-52BB-C317-7808-93714927F033}"/>
               </a:ext>
             </a:extLst>
           </p:cNvPr>
@@ -2423,7 +1987,7 @@
           <p:cNvPr id="5" name="灯片编号占位符 4">
             <a:extLst>
               <a:ext uri="{FF2B5EF4-FFF2-40B4-BE49-F238E27FC236}">
-                <a16:creationId xmlns:a16="http://schemas.microsoft.com/office/drawing/2014/main" id="{B658056A-3E34-863C-43B7-C37DF3772516}"/>
+                <a16:creationId xmlns:a16="http://schemas.microsoft.com/office/drawing/2014/main" id="{FDAAD720-0983-D200-19B1-3B005147A31C}"/>
               </a:ext>
             </a:extLst>
           </p:cNvPr>
@@ -2439,7 +2003,7 @@
           <a:bodyPr/>
           <a:lstStyle/>
           <a:p>
-            <a:fld id="{8219835C-1BEE-44E2-A39E-0E460C26C747}" type="slidenum">
+            <a:fld id="{8348D630-E281-4EF7-A218-4156206F87C2}" type="slidenum">
               <a:rPr lang="zh-CN" altLang="en-US" smtClean="0"/>
               <a:t>‹#›</a:t>
             </a:fld>
@@ -2450,7 +2014,7 @@
     </p:spTree>
     <p:extLst>
       <p:ext uri="{BB962C8B-B14F-4D97-AF65-F5344CB8AC3E}">
-        <p14:creationId xmlns:p14="http://schemas.microsoft.com/office/powerpoint/2010/main" val="2503830513"/>
+        <p14:creationId xmlns:p14="http://schemas.microsoft.com/office/powerpoint/2010/main" val="2968997250"/>
       </p:ext>
     </p:extLst>
   </p:cSld>
@@ -2482,7 +2046,7 @@
           <p:cNvPr id="2" name="日期占位符 1">
             <a:extLst>
               <a:ext uri="{FF2B5EF4-FFF2-40B4-BE49-F238E27FC236}">
-                <a16:creationId xmlns:a16="http://schemas.microsoft.com/office/drawing/2014/main" id="{2FC25AEA-78CC-B60E-6038-4DAF4EA76961}"/>
+                <a16:creationId xmlns:a16="http://schemas.microsoft.com/office/drawing/2014/main" id="{341AA9E7-5975-93CA-A5C4-72F84A3100FF}"/>
               </a:ext>
             </a:extLst>
           </p:cNvPr>
@@ -2498,7 +2062,7 @@
           <a:bodyPr/>
           <a:lstStyle/>
           <a:p>
-            <a:fld id="{D498D992-9A45-409D-A474-53E14A20EC52}" type="datetimeFigureOut">
+            <a:fld id="{7E8AADF6-C0A0-4743-B9E2-337BDFB4882F}" type="datetimeFigureOut">
               <a:rPr lang="zh-CN" altLang="en-US" smtClean="0"/>
               <a:t>2024/3/10</a:t>
             </a:fld>
@@ -2511,7 +2075,7 @@
           <p:cNvPr id="3" name="页脚占位符 2">
             <a:extLst>
               <a:ext uri="{FF2B5EF4-FFF2-40B4-BE49-F238E27FC236}">
-                <a16:creationId xmlns:a16="http://schemas.microsoft.com/office/drawing/2014/main" id="{C6E8E62E-1FF7-5847-ADC9-D9DD656C13FF}"/>
+                <a16:creationId xmlns:a16="http://schemas.microsoft.com/office/drawing/2014/main" id="{D09ABFC1-F529-C725-69EC-8358F9542832}"/>
               </a:ext>
             </a:extLst>
           </p:cNvPr>
@@ -2536,7 +2100,7 @@
           <p:cNvPr id="4" name="灯片编号占位符 3">
             <a:extLst>
               <a:ext uri="{FF2B5EF4-FFF2-40B4-BE49-F238E27FC236}">
-                <a16:creationId xmlns:a16="http://schemas.microsoft.com/office/drawing/2014/main" id="{086B4ED8-39CA-00E5-C9B6-8F51B69EAFC9}"/>
+                <a16:creationId xmlns:a16="http://schemas.microsoft.com/office/drawing/2014/main" id="{962290AA-1697-54F2-52DB-C318CCE662AB}"/>
               </a:ext>
             </a:extLst>
           </p:cNvPr>
@@ -2552,7 +2116,7 @@
           <a:bodyPr/>
           <a:lstStyle/>
           <a:p>
-            <a:fld id="{8219835C-1BEE-44E2-A39E-0E460C26C747}" type="slidenum">
+            <a:fld id="{8348D630-E281-4EF7-A218-4156206F87C2}" type="slidenum">
               <a:rPr lang="zh-CN" altLang="en-US" smtClean="0"/>
               <a:t>‹#›</a:t>
             </a:fld>
@@ -2563,7 +2127,7 @@
     </p:spTree>
     <p:extLst>
       <p:ext uri="{BB962C8B-B14F-4D97-AF65-F5344CB8AC3E}">
-        <p14:creationId xmlns:p14="http://schemas.microsoft.com/office/powerpoint/2010/main" val="2801301345"/>
+        <p14:creationId xmlns:p14="http://schemas.microsoft.com/office/powerpoint/2010/main" val="1122007476"/>
       </p:ext>
     </p:extLst>
   </p:cSld>
@@ -2595,7 +2159,7 @@
           <p:cNvPr id="2" name="标题 1">
             <a:extLst>
               <a:ext uri="{FF2B5EF4-FFF2-40B4-BE49-F238E27FC236}">
-                <a16:creationId xmlns:a16="http://schemas.microsoft.com/office/drawing/2014/main" id="{09EA9F68-F2C8-B736-4C4F-F1C177DCEA34}"/>
+                <a16:creationId xmlns:a16="http://schemas.microsoft.com/office/drawing/2014/main" id="{0775C53C-AF68-DDA7-336C-2A67C6F3F1A3}"/>
               </a:ext>
             </a:extLst>
           </p:cNvPr>
@@ -2632,7 +2196,7 @@
           <p:cNvPr id="3" name="内容占位符 2">
             <a:extLst>
               <a:ext uri="{FF2B5EF4-FFF2-40B4-BE49-F238E27FC236}">
-                <a16:creationId xmlns:a16="http://schemas.microsoft.com/office/drawing/2014/main" id="{D9BDC4EC-162B-B1FC-7D91-92DF5F6B5491}"/>
+                <a16:creationId xmlns:a16="http://schemas.microsoft.com/office/drawing/2014/main" id="{13DA36F9-5F6A-D579-68A4-A705EFF7D7E5}"/>
               </a:ext>
             </a:extLst>
           </p:cNvPr>
@@ -2722,7 +2286,7 @@
           <p:cNvPr id="4" name="文本占位符 3">
             <a:extLst>
               <a:ext uri="{FF2B5EF4-FFF2-40B4-BE49-F238E27FC236}">
-                <a16:creationId xmlns:a16="http://schemas.microsoft.com/office/drawing/2014/main" id="{EAFBA91F-0A39-375B-20A2-399036A69A50}"/>
+                <a16:creationId xmlns:a16="http://schemas.microsoft.com/office/drawing/2014/main" id="{581DFF27-9D11-805D-FC3E-9338A012C69C}"/>
               </a:ext>
             </a:extLst>
           </p:cNvPr>
@@ -2793,7 +2357,7 @@
           <p:cNvPr id="5" name="日期占位符 4">
             <a:extLst>
               <a:ext uri="{FF2B5EF4-FFF2-40B4-BE49-F238E27FC236}">
-                <a16:creationId xmlns:a16="http://schemas.microsoft.com/office/drawing/2014/main" id="{BBCCD069-A8E0-9227-13AB-6467B65A2BEA}"/>
+                <a16:creationId xmlns:a16="http://schemas.microsoft.com/office/drawing/2014/main" id="{4D6E6FFA-65D7-2515-3415-DCD2C7B17F09}"/>
               </a:ext>
             </a:extLst>
           </p:cNvPr>
@@ -2809,7 +2373,7 @@
           <a:bodyPr/>
           <a:lstStyle/>
           <a:p>
-            <a:fld id="{D498D992-9A45-409D-A474-53E14A20EC52}" type="datetimeFigureOut">
+            <a:fld id="{7E8AADF6-C0A0-4743-B9E2-337BDFB4882F}" type="datetimeFigureOut">
               <a:rPr lang="zh-CN" altLang="en-US" smtClean="0"/>
               <a:t>2024/3/10</a:t>
             </a:fld>
@@ -2822,7 +2386,7 @@
           <p:cNvPr id="6" name="页脚占位符 5">
             <a:extLst>
               <a:ext uri="{FF2B5EF4-FFF2-40B4-BE49-F238E27FC236}">
-                <a16:creationId xmlns:a16="http://schemas.microsoft.com/office/drawing/2014/main" id="{4843DEA7-BADE-3DEA-A295-894FC8B0675B}"/>
+                <a16:creationId xmlns:a16="http://schemas.microsoft.com/office/drawing/2014/main" id="{8960CC03-ADEC-947E-B8BF-5F9B40B8B693}"/>
               </a:ext>
             </a:extLst>
           </p:cNvPr>
@@ -2847,7 +2411,7 @@
           <p:cNvPr id="7" name="灯片编号占位符 6">
             <a:extLst>
               <a:ext uri="{FF2B5EF4-FFF2-40B4-BE49-F238E27FC236}">
-                <a16:creationId xmlns:a16="http://schemas.microsoft.com/office/drawing/2014/main" id="{24043F07-E928-D192-0853-BA6760D435A1}"/>
+                <a16:creationId xmlns:a16="http://schemas.microsoft.com/office/drawing/2014/main" id="{10513BE4-647D-72EC-E67D-D828B7F12B65}"/>
               </a:ext>
             </a:extLst>
           </p:cNvPr>
@@ -2863,7 +2427,7 @@
           <a:bodyPr/>
           <a:lstStyle/>
           <a:p>
-            <a:fld id="{8219835C-1BEE-44E2-A39E-0E460C26C747}" type="slidenum">
+            <a:fld id="{8348D630-E281-4EF7-A218-4156206F87C2}" type="slidenum">
               <a:rPr lang="zh-CN" altLang="en-US" smtClean="0"/>
               <a:t>‹#›</a:t>
             </a:fld>
@@ -2874,7 +2438,7 @@
     </p:spTree>
     <p:extLst>
       <p:ext uri="{BB962C8B-B14F-4D97-AF65-F5344CB8AC3E}">
-        <p14:creationId xmlns:p14="http://schemas.microsoft.com/office/powerpoint/2010/main" val="1504971039"/>
+        <p14:creationId xmlns:p14="http://schemas.microsoft.com/office/powerpoint/2010/main" val="629606309"/>
       </p:ext>
     </p:extLst>
   </p:cSld>
@@ -2906,7 +2470,7 @@
           <p:cNvPr id="2" name="标题 1">
             <a:extLst>
               <a:ext uri="{FF2B5EF4-FFF2-40B4-BE49-F238E27FC236}">
-                <a16:creationId xmlns:a16="http://schemas.microsoft.com/office/drawing/2014/main" id="{8889C508-FDDA-310D-44D3-787BE96CA0C5}"/>
+                <a16:creationId xmlns:a16="http://schemas.microsoft.com/office/drawing/2014/main" id="{22D318AB-429C-63AD-A154-EED35642C90B}"/>
               </a:ext>
             </a:extLst>
           </p:cNvPr>
@@ -2943,7 +2507,7 @@
           <p:cNvPr id="3" name="图片占位符 2">
             <a:extLst>
               <a:ext uri="{FF2B5EF4-FFF2-40B4-BE49-F238E27FC236}">
-                <a16:creationId xmlns:a16="http://schemas.microsoft.com/office/drawing/2014/main" id="{86CF3E26-C61C-CBBB-D6E4-4182354E6B80}"/>
+                <a16:creationId xmlns:a16="http://schemas.microsoft.com/office/drawing/2014/main" id="{58F47E43-1C12-574C-1493-637F3A094430}"/>
               </a:ext>
             </a:extLst>
           </p:cNvPr>
@@ -3010,7 +2574,7 @@
           <p:cNvPr id="4" name="文本占位符 3">
             <a:extLst>
               <a:ext uri="{FF2B5EF4-FFF2-40B4-BE49-F238E27FC236}">
-                <a16:creationId xmlns:a16="http://schemas.microsoft.com/office/drawing/2014/main" id="{71F50D24-259F-A0AB-CD26-B55D75EEE8AC}"/>
+                <a16:creationId xmlns:a16="http://schemas.microsoft.com/office/drawing/2014/main" id="{20D2E0AB-5FD6-0541-DC39-2D3D82CE0ACA}"/>
               </a:ext>
             </a:extLst>
           </p:cNvPr>
@@ -3081,7 +2645,7 @@
           <p:cNvPr id="5" name="日期占位符 4">
             <a:extLst>
               <a:ext uri="{FF2B5EF4-FFF2-40B4-BE49-F238E27FC236}">
-                <a16:creationId xmlns:a16="http://schemas.microsoft.com/office/drawing/2014/main" id="{50448FBA-2805-EBAA-C3B4-B5637CCB1067}"/>
+                <a16:creationId xmlns:a16="http://schemas.microsoft.com/office/drawing/2014/main" id="{D996E23A-9875-64C6-FBBF-0C1F4A0800F9}"/>
               </a:ext>
             </a:extLst>
           </p:cNvPr>
@@ -3097,7 +2661,7 @@
           <a:bodyPr/>
           <a:lstStyle/>
           <a:p>
-            <a:fld id="{D498D992-9A45-409D-A474-53E14A20EC52}" type="datetimeFigureOut">
+            <a:fld id="{7E8AADF6-C0A0-4743-B9E2-337BDFB4882F}" type="datetimeFigureOut">
               <a:rPr lang="zh-CN" altLang="en-US" smtClean="0"/>
               <a:t>2024/3/10</a:t>
             </a:fld>
@@ -3110,7 +2674,7 @@
           <p:cNvPr id="6" name="页脚占位符 5">
             <a:extLst>
               <a:ext uri="{FF2B5EF4-FFF2-40B4-BE49-F238E27FC236}">
-                <a16:creationId xmlns:a16="http://schemas.microsoft.com/office/drawing/2014/main" id="{3E043B29-D622-2EF4-77E0-9239096F2CBE}"/>
+                <a16:creationId xmlns:a16="http://schemas.microsoft.com/office/drawing/2014/main" id="{80931FD5-95F9-CDFA-D94E-B879015416E7}"/>
               </a:ext>
             </a:extLst>
           </p:cNvPr>
@@ -3135,7 +2699,7 @@
           <p:cNvPr id="7" name="灯片编号占位符 6">
             <a:extLst>
               <a:ext uri="{FF2B5EF4-FFF2-40B4-BE49-F238E27FC236}">
-                <a16:creationId xmlns:a16="http://schemas.microsoft.com/office/drawing/2014/main" id="{15A7E29E-EE26-78BF-102D-4307601C518D}"/>
+                <a16:creationId xmlns:a16="http://schemas.microsoft.com/office/drawing/2014/main" id="{36B9EC0A-902E-3DCE-3292-FFE885DB7536}"/>
               </a:ext>
             </a:extLst>
           </p:cNvPr>
@@ -3151,7 +2715,7 @@
           <a:bodyPr/>
           <a:lstStyle/>
           <a:p>
-            <a:fld id="{8219835C-1BEE-44E2-A39E-0E460C26C747}" type="slidenum">
+            <a:fld id="{8348D630-E281-4EF7-A218-4156206F87C2}" type="slidenum">
               <a:rPr lang="zh-CN" altLang="en-US" smtClean="0"/>
               <a:t>‹#›</a:t>
             </a:fld>
@@ -3162,7 +2726,7 @@
     </p:spTree>
     <p:extLst>
       <p:ext uri="{BB962C8B-B14F-4D97-AF65-F5344CB8AC3E}">
-        <p14:creationId xmlns:p14="http://schemas.microsoft.com/office/powerpoint/2010/main" val="736637007"/>
+        <p14:creationId xmlns:p14="http://schemas.microsoft.com/office/powerpoint/2010/main" val="2387308964"/>
       </p:ext>
     </p:extLst>
   </p:cSld>
@@ -3199,7 +2763,7 @@
           <p:cNvPr id="2" name="标题占位符 1">
             <a:extLst>
               <a:ext uri="{FF2B5EF4-FFF2-40B4-BE49-F238E27FC236}">
-                <a16:creationId xmlns:a16="http://schemas.microsoft.com/office/drawing/2014/main" id="{48D5A63E-E2D0-751E-CA71-821523451440}"/>
+                <a16:creationId xmlns:a16="http://schemas.microsoft.com/office/drawing/2014/main" id="{5234BA67-DCB6-B926-C8AC-9DCE203FBAFA}"/>
               </a:ext>
             </a:extLst>
           </p:cNvPr>
@@ -3237,7 +2801,7 @@
           <p:cNvPr id="3" name="文本占位符 2">
             <a:extLst>
               <a:ext uri="{FF2B5EF4-FFF2-40B4-BE49-F238E27FC236}">
-                <a16:creationId xmlns:a16="http://schemas.microsoft.com/office/drawing/2014/main" id="{5E0DAEE0-3293-B6CD-FF04-D67C37FBFDA4}"/>
+                <a16:creationId xmlns:a16="http://schemas.microsoft.com/office/drawing/2014/main" id="{F466A356-C320-FE10-A767-76942BD22A87}"/>
               </a:ext>
             </a:extLst>
           </p:cNvPr>
@@ -3304,7 +2868,7 @@
           <p:cNvPr id="4" name="日期占位符 3">
             <a:extLst>
               <a:ext uri="{FF2B5EF4-FFF2-40B4-BE49-F238E27FC236}">
-                <a16:creationId xmlns:a16="http://schemas.microsoft.com/office/drawing/2014/main" id="{55330AEC-C56F-D521-F52E-19692CD5A93C}"/>
+                <a16:creationId xmlns:a16="http://schemas.microsoft.com/office/drawing/2014/main" id="{8962657E-660B-4619-9836-C8EAE3BA13C9}"/>
               </a:ext>
             </a:extLst>
           </p:cNvPr>
@@ -3338,7 +2902,7 @@
             </a:lvl1pPr>
           </a:lstStyle>
           <a:p>
-            <a:fld id="{D498D992-9A45-409D-A474-53E14A20EC52}" type="datetimeFigureOut">
+            <a:fld id="{7E8AADF6-C0A0-4743-B9E2-337BDFB4882F}" type="datetimeFigureOut">
               <a:rPr lang="zh-CN" altLang="en-US" smtClean="0"/>
               <a:t>2024/3/10</a:t>
             </a:fld>
@@ -3351,7 +2915,7 @@
           <p:cNvPr id="5" name="页脚占位符 4">
             <a:extLst>
               <a:ext uri="{FF2B5EF4-FFF2-40B4-BE49-F238E27FC236}">
-                <a16:creationId xmlns:a16="http://schemas.microsoft.com/office/drawing/2014/main" id="{E76ED9E7-129D-EA2F-73D1-4DC2B62E364E}"/>
+                <a16:creationId xmlns:a16="http://schemas.microsoft.com/office/drawing/2014/main" id="{13B2FD2B-1B56-5C17-4B31-7AE9BE2553A4}"/>
               </a:ext>
             </a:extLst>
           </p:cNvPr>
@@ -3394,7 +2958,7 @@
           <p:cNvPr id="6" name="灯片编号占位符 5">
             <a:extLst>
               <a:ext uri="{FF2B5EF4-FFF2-40B4-BE49-F238E27FC236}">
-                <a16:creationId xmlns:a16="http://schemas.microsoft.com/office/drawing/2014/main" id="{C64B9CA3-3D27-BD06-A7FE-9F4A6C4C1DBB}"/>
+                <a16:creationId xmlns:a16="http://schemas.microsoft.com/office/drawing/2014/main" id="{D1296DE5-47A0-4DD2-2F3B-62120BC4BCEB}"/>
               </a:ext>
             </a:extLst>
           </p:cNvPr>
@@ -3428,7 +2992,7 @@
             </a:lvl1pPr>
           </a:lstStyle>
           <a:p>
-            <a:fld id="{8219835C-1BEE-44E2-A39E-0E460C26C747}" type="slidenum">
+            <a:fld id="{8348D630-E281-4EF7-A218-4156206F87C2}" type="slidenum">
               <a:rPr lang="zh-CN" altLang="en-US" smtClean="0"/>
               <a:t>‹#›</a:t>
             </a:fld>
@@ -3439,7 +3003,7 @@
     </p:spTree>
     <p:extLst>
       <p:ext uri="{BB962C8B-B14F-4D97-AF65-F5344CB8AC3E}">
-        <p14:creationId xmlns:p14="http://schemas.microsoft.com/office/powerpoint/2010/main" val="1285867086"/>
+        <p14:creationId xmlns:p14="http://schemas.microsoft.com/office/powerpoint/2010/main" val="3895644586"/>
       </p:ext>
     </p:extLst>
   </p:cSld>
@@ -3759,14 +3323,14 @@
       </p:grpSpPr>
       <p:pic>
         <p:nvPicPr>
-          <p:cNvPr id="812034" name="Picture 2" descr="792"/>
+          <p:cNvPr id="813058" name="Picture 2" descr="793"/>
           <p:cNvPicPr>
             <a:picLocks noChangeAspect="1" noChangeArrowheads="1"/>
           </p:cNvPicPr>
           <p:nvPr/>
         </p:nvPicPr>
         <p:blipFill>
-          <a:blip r:embed="rId3">
+          <a:blip r:embed="rId2">
             <a:extLst>
               <a:ext uri="{28A0092B-C50C-407E-A947-70E740481C1C}">
                 <a14:useLocalDpi xmlns:a14="http://schemas.microsoft.com/office/drawing/2010/main" val="0"/>
@@ -3811,51 +3375,158 @@
           </a:extLst>
         </p:spPr>
       </p:pic>
-      <p:sp>
-        <p:nvSpPr>
-          <p:cNvPr id="2" name="文本框 1">
-            <a:extLst>
-              <a:ext uri="{FF2B5EF4-FFF2-40B4-BE49-F238E27FC236}">
-                <a16:creationId xmlns:a16="http://schemas.microsoft.com/office/drawing/2014/main" id="{76CCFE8A-753E-B6EB-4B07-A79979D2DCD7}"/>
-              </a:ext>
-            </a:extLst>
-          </p:cNvPr>
-          <p:cNvSpPr txBox="1"/>
+      <p:pic>
+        <p:nvPicPr>
+          <p:cNvPr id="814083" name="Picture 3" descr="793-2"/>
+          <p:cNvPicPr>
+            <a:picLocks noChangeAspect="1" noChangeArrowheads="1"/>
+          </p:cNvPicPr>
           <p:nvPr/>
-        </p:nvSpPr>
-        <p:spPr>
+        </p:nvPicPr>
+        <p:blipFill>
+          <a:blip r:embed="rId3">
+            <a:extLst>
+              <a:ext uri="{28A0092B-C50C-407E-A947-70E740481C1C}">
+                <a14:useLocalDpi xmlns:a14="http://schemas.microsoft.com/office/drawing/2010/main" val="0"/>
+              </a:ext>
+            </a:extLst>
+          </a:blip>
+          <a:srcRect/>
+          <a:stretch>
+            <a:fillRect/>
+          </a:stretch>
+        </p:blipFill>
+        <p:spPr bwMode="auto">
           <a:xfrm>
-            <a:off x="6672064" y="6309320"/>
-            <a:ext cx="576064" cy="584775"/>
+            <a:off x="1524000" y="0"/>
+            <a:ext cx="9144000" cy="6858000"/>
           </a:xfrm>
           <a:prstGeom prst="rect">
             <a:avLst/>
           </a:prstGeom>
-          <a:solidFill>
-            <a:schemeClr val="bg1"/>
-          </a:solidFill>
+          <a:noFill/>
+          <a:ln>
+            <a:noFill/>
+          </a:ln>
+          <a:effectLst/>
+          <a:extLst>
+            <a:ext uri="{909E8E84-426E-40DD-AFC4-6F175D3DCCD1}">
+              <a14:hiddenFill xmlns:a14="http://schemas.microsoft.com/office/drawing/2010/main">
+                <a:solidFill>
+                  <a:srgbClr val="FFFFFF"/>
+                </a:solidFill>
+              </a14:hiddenFill>
+            </a:ext>
+            <a:ext uri="{91240B29-F687-4F45-9708-019B960494DF}">
+              <a14:hiddenLine xmlns:a14="http://schemas.microsoft.com/office/drawing/2010/main" w="9525">
+                <a:solidFill>
+                  <a:srgbClr val="000000"/>
+                </a:solidFill>
+                <a:miter lim="800000"/>
+                <a:headEnd/>
+                <a:tailEnd/>
+              </a14:hiddenLine>
+            </a:ext>
+            <a:ext uri="{AF507438-7753-43E0-B8FC-AC1667EBCBE1}">
+              <a14:hiddenEffects xmlns:a14="http://schemas.microsoft.com/office/drawing/2010/main">
+                <a:effectLst>
+                  <a:outerShdw dist="35921" dir="2700000" algn="ctr" rotWithShape="0">
+                    <a:srgbClr val="808080"/>
+                  </a:outerShdw>
+                </a:effectLst>
+              </a14:hiddenEffects>
+            </a:ext>
+          </a:extLst>
         </p:spPr>
-        <p:txBody>
-          <a:bodyPr wrap="square" rtlCol="0">
-            <a:spAutoFit/>
-          </a:bodyPr>
-          <a:lstStyle/>
-          <a:p>
-            <a:r>
-              <a:rPr lang="zh-CN" altLang="en-US" sz="3200" b="1" dirty="0">
-                <a:latin typeface="新宋体" panose="02010609030101010101" pitchFamily="49" charset="-122"/>
-                <a:ea typeface="新宋体" panose="02010609030101010101" pitchFamily="49" charset="-122"/>
-              </a:rPr>
-              <a:t>心</a:t>
-            </a:r>
-          </a:p>
-        </p:txBody>
-      </p:sp>
+      </p:pic>
     </p:spTree>
   </p:cSld>
   <p:clrMapOvr>
     <a:masterClrMapping/>
   </p:clrMapOvr>
+  <p:timing>
+    <p:tnLst>
+      <p:par>
+        <p:cTn id="1" dur="indefinite" restart="never" nodeType="tmRoot">
+          <p:childTnLst>
+            <p:seq concurrent="1" nextAc="seek">
+              <p:cTn id="2" dur="indefinite" nodeType="mainSeq">
+                <p:childTnLst>
+                  <p:par>
+                    <p:cTn id="3" fill="hold" nodeType="clickPar">
+                      <p:stCondLst>
+                        <p:cond delay="indefinite"/>
+                      </p:stCondLst>
+                      <p:childTnLst>
+                        <p:par>
+                          <p:cTn id="4" fill="hold" nodeType="withGroup">
+                            <p:stCondLst>
+                              <p:cond delay="0"/>
+                            </p:stCondLst>
+                            <p:childTnLst>
+                              <p:par>
+                                <p:cTn id="5" presetID="10" presetClass="entr" presetSubtype="0" fill="hold" nodeType="clickEffect">
+                                  <p:stCondLst>
+                                    <p:cond delay="0"/>
+                                  </p:stCondLst>
+                                  <p:childTnLst>
+                                    <p:set>
+                                      <p:cBhvr>
+                                        <p:cTn id="6" dur="1" fill="hold">
+                                          <p:stCondLst>
+                                            <p:cond delay="0"/>
+                                          </p:stCondLst>
+                                        </p:cTn>
+                                        <p:tgtEl>
+                                          <p:spTgt spid="814083"/>
+                                        </p:tgtEl>
+                                        <p:attrNameLst>
+                                          <p:attrName>style.visibility</p:attrName>
+                                        </p:attrNameLst>
+                                      </p:cBhvr>
+                                      <p:to>
+                                        <p:strVal val="visible"/>
+                                      </p:to>
+                                    </p:set>
+                                    <p:animEffect transition="in" filter="fade">
+                                      <p:cBhvr>
+                                        <p:cTn id="7" dur="500"/>
+                                        <p:tgtEl>
+                                          <p:spTgt spid="814083"/>
+                                        </p:tgtEl>
+                                      </p:cBhvr>
+                                    </p:animEffect>
+                                  </p:childTnLst>
+                                </p:cTn>
+                              </p:par>
+                            </p:childTnLst>
+                          </p:cTn>
+                        </p:par>
+                      </p:childTnLst>
+                    </p:cTn>
+                  </p:par>
+                </p:childTnLst>
+              </p:cTn>
+              <p:prevCondLst>
+                <p:cond evt="onPrev" delay="0">
+                  <p:tgtEl>
+                    <p:sldTgt/>
+                  </p:tgtEl>
+                </p:cond>
+              </p:prevCondLst>
+              <p:nextCondLst>
+                <p:cond evt="onNext" delay="0">
+                  <p:tgtEl>
+                    <p:sldTgt/>
+                  </p:tgtEl>
+                </p:cond>
+              </p:nextCondLst>
+            </p:seq>
+          </p:childTnLst>
+        </p:cTn>
+      </p:par>
+    </p:tnLst>
+  </p:timing>
 </p:sld>
 </file>
 
@@ -4152,299 +3823,4 @@
     </a:ext>
   </a:extLst>
 </a:theme>
-</file>
-
-<file path=ppt/theme/theme2.xml><?xml version="1.0" encoding="utf-8"?>
-<a:theme xmlns:a="http://schemas.openxmlformats.org/drawingml/2006/main" name="Office 主题​​">
-  <a:themeElements>
-    <a:clrScheme name="Office">
-      <a:dk1>
-        <a:sysClr val="windowText" lastClr="000000"/>
-      </a:dk1>
-      <a:lt1>
-        <a:sysClr val="window" lastClr="FFFFFF"/>
-      </a:lt1>
-      <a:dk2>
-        <a:srgbClr val="44546A"/>
-      </a:dk2>
-      <a:lt2>
-        <a:srgbClr val="E7E6E6"/>
-      </a:lt2>
-      <a:accent1>
-        <a:srgbClr val="4472C4"/>
-      </a:accent1>
-      <a:accent2>
-        <a:srgbClr val="ED7D31"/>
-      </a:accent2>
-      <a:accent3>
-        <a:srgbClr val="A5A5A5"/>
-      </a:accent3>
-      <a:accent4>
-        <a:srgbClr val="FFC000"/>
-      </a:accent4>
-      <a:accent5>
-        <a:srgbClr val="5B9BD5"/>
-      </a:accent5>
-      <a:accent6>
-        <a:srgbClr val="70AD47"/>
-      </a:accent6>
-      <a:hlink>
-        <a:srgbClr val="0563C1"/>
-      </a:hlink>
-      <a:folHlink>
-        <a:srgbClr val="954F72"/>
-      </a:folHlink>
-    </a:clrScheme>
-    <a:fontScheme name="Office">
-      <a:majorFont>
-        <a:latin typeface="等线 Light" panose="020F0302020204030204"/>
-        <a:ea typeface=""/>
-        <a:cs typeface=""/>
-        <a:font script="Jpan" typeface="游ゴシック Light"/>
-        <a:font script="Hang" typeface="맑은 고딕"/>
-        <a:font script="Hans" typeface="等线 Light"/>
-        <a:font script="Hant" typeface="新細明體"/>
-        <a:font script="Arab" typeface="Times New Roman"/>
-        <a:font script="Hebr" typeface="Times New Roman"/>
-        <a:font script="Thai" typeface="Angsana New"/>
-        <a:font script="Ethi" typeface="Nyala"/>
-        <a:font script="Beng" typeface="Vrinda"/>
-        <a:font script="Gujr" typeface="Shruti"/>
-        <a:font script="Khmr" typeface="MoolBoran"/>
-        <a:font script="Knda" typeface="Tunga"/>
-        <a:font script="Guru" typeface="Raavi"/>
-        <a:font script="Cans" typeface="Euphemia"/>
-        <a:font script="Cher" typeface="Plantagenet Cherokee"/>
-        <a:font script="Yiii" typeface="Microsoft Yi Baiti"/>
-        <a:font script="Tibt" typeface="Microsoft Himalaya"/>
-        <a:font script="Thaa" typeface="MV Boli"/>
-        <a:font script="Deva" typeface="Mangal"/>
-        <a:font script="Telu" typeface="Gautami"/>
-        <a:font script="Taml" typeface="Latha"/>
-        <a:font script="Syrc" typeface="Estrangelo Edessa"/>
-        <a:font script="Orya" typeface="Kalinga"/>
-        <a:font script="Mlym" typeface="Kartika"/>
-        <a:font script="Laoo" typeface="DokChampa"/>
-        <a:font script="Sinh" typeface="Iskoola Pota"/>
-        <a:font script="Mong" typeface="Mongolian Baiti"/>
-        <a:font script="Viet" typeface="Times New Roman"/>
-        <a:font script="Uigh" typeface="Microsoft Uighur"/>
-        <a:font script="Geor" typeface="Sylfaen"/>
-        <a:font script="Armn" typeface="Arial"/>
-        <a:font script="Bugi" typeface="Leelawadee UI"/>
-        <a:font script="Bopo" typeface="Microsoft JhengHei"/>
-        <a:font script="Java" typeface="Javanese Text"/>
-        <a:font script="Lisu" typeface="Segoe UI"/>
-        <a:font script="Mymr" typeface="Myanmar Text"/>
-        <a:font script="Nkoo" typeface="Ebrima"/>
-        <a:font script="Olck" typeface="Nirmala UI"/>
-        <a:font script="Osma" typeface="Ebrima"/>
-        <a:font script="Phag" typeface="Phagspa"/>
-        <a:font script="Syrn" typeface="Estrangelo Edessa"/>
-        <a:font script="Syrj" typeface="Estrangelo Edessa"/>
-        <a:font script="Syre" typeface="Estrangelo Edessa"/>
-        <a:font script="Sora" typeface="Nirmala UI"/>
-        <a:font script="Tale" typeface="Microsoft Tai Le"/>
-        <a:font script="Talu" typeface="Microsoft New Tai Lue"/>
-        <a:font script="Tfng" typeface="Ebrima"/>
-      </a:majorFont>
-      <a:minorFont>
-        <a:latin typeface="等线" panose="020F0502020204030204"/>
-        <a:ea typeface=""/>
-        <a:cs typeface=""/>
-        <a:font script="Jpan" typeface="游ゴシック"/>
-        <a:font script="Hang" typeface="맑은 고딕"/>
-        <a:font script="Hans" typeface="等线"/>
-        <a:font script="Hant" typeface="新細明體"/>
-        <a:font script="Arab" typeface="Arial"/>
-        <a:font script="Hebr" typeface="Arial"/>
-        <a:font script="Thai" typeface="Cordia New"/>
-        <a:font script="Ethi" typeface="Nyala"/>
-        <a:font script="Beng" typeface="Vrinda"/>
-        <a:font script="Gujr" typeface="Shruti"/>
-        <a:font script="Khmr" typeface="DaunPenh"/>
-        <a:font script="Knda" typeface="Tunga"/>
-        <a:font script="Guru" typeface="Raavi"/>
-        <a:font script="Cans" typeface="Euphemia"/>
-        <a:font script="Cher" typeface="Plantagenet Cherokee"/>
-        <a:font script="Yiii" typeface="Microsoft Yi Baiti"/>
-        <a:font script="Tibt" typeface="Microsoft Himalaya"/>
-        <a:font script="Thaa" typeface="MV Boli"/>
-        <a:font script="Deva" typeface="Mangal"/>
-        <a:font script="Telu" typeface="Gautami"/>
-        <a:font script="Taml" typeface="Latha"/>
-        <a:font script="Syrc" typeface="Estrangelo Edessa"/>
-        <a:font script="Orya" typeface="Kalinga"/>
-        <a:font script="Mlym" typeface="Kartika"/>
-        <a:font script="Laoo" typeface="DokChampa"/>
-        <a:font script="Sinh" typeface="Iskoola Pota"/>
-        <a:font script="Mong" typeface="Mongolian Baiti"/>
-        <a:font script="Viet" typeface="Arial"/>
-        <a:font script="Uigh" typeface="Microsoft Uighur"/>
-        <a:font script="Geor" typeface="Sylfaen"/>
-        <a:font script="Armn" typeface="Arial"/>
-        <a:font script="Bugi" typeface="Leelawadee UI"/>
-        <a:font script="Bopo" typeface="Microsoft JhengHei"/>
-        <a:font script="Java" typeface="Javanese Text"/>
-        <a:font script="Lisu" typeface="Segoe UI"/>
-        <a:font script="Mymr" typeface="Myanmar Text"/>
-        <a:font script="Nkoo" typeface="Ebrima"/>
-        <a:font script="Olck" typeface="Nirmala UI"/>
-        <a:font script="Osma" typeface="Ebrima"/>
-        <a:font script="Phag" typeface="Phagspa"/>
-        <a:font script="Syrn" typeface="Estrangelo Edessa"/>
-        <a:font script="Syrj" typeface="Estrangelo Edessa"/>
-        <a:font script="Syre" typeface="Estrangelo Edessa"/>
-        <a:font script="Sora" typeface="Nirmala UI"/>
-        <a:font script="Tale" typeface="Microsoft Tai Le"/>
-        <a:font script="Talu" typeface="Microsoft New Tai Lue"/>
-        <a:font script="Tfng" typeface="Ebrima"/>
-      </a:minorFont>
-    </a:fontScheme>
-    <a:fmtScheme name="Office">
-      <a:fillStyleLst>
-        <a:solidFill>
-          <a:schemeClr val="phClr"/>
-        </a:solidFill>
-        <a:gradFill rotWithShape="1">
-          <a:gsLst>
-            <a:gs pos="0">
-              <a:schemeClr val="phClr">
-                <a:lumMod val="110000"/>
-                <a:satMod val="105000"/>
-                <a:tint val="67000"/>
-              </a:schemeClr>
-            </a:gs>
-            <a:gs pos="50000">
-              <a:schemeClr val="phClr">
-                <a:lumMod val="105000"/>
-                <a:satMod val="103000"/>
-                <a:tint val="73000"/>
-              </a:schemeClr>
-            </a:gs>
-            <a:gs pos="100000">
-              <a:schemeClr val="phClr">
-                <a:lumMod val="105000"/>
-                <a:satMod val="109000"/>
-                <a:tint val="81000"/>
-              </a:schemeClr>
-            </a:gs>
-          </a:gsLst>
-          <a:lin ang="5400000" scaled="0"/>
-        </a:gradFill>
-        <a:gradFill rotWithShape="1">
-          <a:gsLst>
-            <a:gs pos="0">
-              <a:schemeClr val="phClr">
-                <a:satMod val="103000"/>
-                <a:lumMod val="102000"/>
-                <a:tint val="94000"/>
-              </a:schemeClr>
-            </a:gs>
-            <a:gs pos="50000">
-              <a:schemeClr val="phClr">
-                <a:satMod val="110000"/>
-                <a:lumMod val="100000"/>
-                <a:shade val="100000"/>
-              </a:schemeClr>
-            </a:gs>
-            <a:gs pos="100000">
-              <a:schemeClr val="phClr">
-                <a:lumMod val="99000"/>
-                <a:satMod val="120000"/>
-                <a:shade val="78000"/>
-              </a:schemeClr>
-            </a:gs>
-          </a:gsLst>
-          <a:lin ang="5400000" scaled="0"/>
-        </a:gradFill>
-      </a:fillStyleLst>
-      <a:lnStyleLst>
-        <a:ln w="6350" cap="flat" cmpd="sng" algn="ctr">
-          <a:solidFill>
-            <a:schemeClr val="phClr"/>
-          </a:solidFill>
-          <a:prstDash val="solid"/>
-          <a:miter lim="800000"/>
-        </a:ln>
-        <a:ln w="12700" cap="flat" cmpd="sng" algn="ctr">
-          <a:solidFill>
-            <a:schemeClr val="phClr"/>
-          </a:solidFill>
-          <a:prstDash val="solid"/>
-          <a:miter lim="800000"/>
-        </a:ln>
-        <a:ln w="19050" cap="flat" cmpd="sng" algn="ctr">
-          <a:solidFill>
-            <a:schemeClr val="phClr"/>
-          </a:solidFill>
-          <a:prstDash val="solid"/>
-          <a:miter lim="800000"/>
-        </a:ln>
-      </a:lnStyleLst>
-      <a:effectStyleLst>
-        <a:effectStyle>
-          <a:effectLst/>
-        </a:effectStyle>
-        <a:effectStyle>
-          <a:effectLst/>
-        </a:effectStyle>
-        <a:effectStyle>
-          <a:effectLst>
-            <a:outerShdw blurRad="57150" dist="19050" dir="5400000" algn="ctr" rotWithShape="0">
-              <a:srgbClr val="000000">
-                <a:alpha val="63000"/>
-              </a:srgbClr>
-            </a:outerShdw>
-          </a:effectLst>
-        </a:effectStyle>
-      </a:effectStyleLst>
-      <a:bgFillStyleLst>
-        <a:solidFill>
-          <a:schemeClr val="phClr"/>
-        </a:solidFill>
-        <a:solidFill>
-          <a:schemeClr val="phClr">
-            <a:tint val="95000"/>
-            <a:satMod val="170000"/>
-          </a:schemeClr>
-        </a:solidFill>
-        <a:gradFill rotWithShape="1">
-          <a:gsLst>
-            <a:gs pos="0">
-              <a:schemeClr val="phClr">
-                <a:tint val="93000"/>
-                <a:satMod val="150000"/>
-                <a:shade val="98000"/>
-                <a:lumMod val="102000"/>
-              </a:schemeClr>
-            </a:gs>
-            <a:gs pos="50000">
-              <a:schemeClr val="phClr">
-                <a:tint val="98000"/>
-                <a:satMod val="130000"/>
-                <a:shade val="90000"/>
-                <a:lumMod val="103000"/>
-              </a:schemeClr>
-            </a:gs>
-            <a:gs pos="100000">
-              <a:schemeClr val="phClr">
-                <a:shade val="63000"/>
-                <a:satMod val="120000"/>
-              </a:schemeClr>
-            </a:gs>
-          </a:gsLst>
-          <a:lin ang="5400000" scaled="0"/>
-        </a:gradFill>
-      </a:bgFillStyleLst>
-    </a:fmtScheme>
-  </a:themeElements>
-  <a:objectDefaults/>
-  <a:extraClrSchemeLst/>
-  <a:extLst>
-    <a:ext uri="{05A4C25C-085E-4340-85A3-A5531E510DB2}">
-      <thm15:themeFamily xmlns:thm15="http://schemas.microsoft.com/office/thememl/2012/main" name="Office Theme" id="{62F939B6-93AF-4DB8-9C6B-D6C7DFDC589F}" vid="{4A3C46E8-61CC-4603-A589-7422A47A8E4A}"/>
-    </a:ext>
-  </a:extLst>
-</a:theme>
 </file>